--- a/3. Spring REST/Day 4/Slides/5. Testing/testing-slides.pptx
+++ b/3. Spring REST/Day 4/Slides/5. Testing/testing-slides.pptx
@@ -12729,7 +12729,7 @@
         <p:spPr>
           <a:xfrm>
             <a:off x="13411200" y="5372100"/>
-            <a:ext cx="1720214" cy="995680"/>
+            <a:ext cx="1720214" cy="991870"/>
           </a:xfrm>
           <a:prstGeom prst="rect">
             <a:avLst/>
@@ -12767,13 +12767,6 @@
                 <a:spcPts val="3820"/>
               </a:lnSpc>
             </a:pPr>
-            <a:r>
-              <a:rPr sz="3200" spc="-15" dirty="0">
-                <a:latin typeface="Verdana" panose="020B0604030504040204"/>
-                <a:cs typeface="Verdana" panose="020B0604030504040204"/>
-              </a:rPr>
-              <a:t>MariaDB</a:t>
-            </a:r>
             <a:endParaRPr sz="3200">
               <a:latin typeface="Verdana" panose="020B0604030504040204"/>
               <a:cs typeface="Verdana" panose="020B0604030504040204"/>
